--- a/10-pc/dp1/簡報_v1.pptx
+++ b/10-pc/dp1/簡報_v1.pptx
@@ -35,8 +35,8 @@
     <p:sldId id="287" r:id="rId26"/>
     <p:sldId id="288" r:id="rId27"/>
     <p:sldId id="293" r:id="rId28"/>
-    <p:sldId id="294" r:id="rId29"/>
-    <p:sldId id="296" r:id="rId30"/>
+    <p:sldId id="296" r:id="rId29"/>
+    <p:sldId id="297" r:id="rId30"/>
   </p:sldIdLst>
   <p:sldSz cx="9144000" cy="6858000" type="screen4x3"/>
   <p:notesSz cx="6858000" cy="9144000"/>
@@ -33042,7 +33042,7 @@
             <p:spPr>
               <a:xfrm>
                 <a:off x="6069104" y="3652962"/>
-                <a:ext cx="2446246" cy="369332"/>
+                <a:ext cx="2189767" cy="369332"/>
               </a:xfrm>
               <a:prstGeom prst="rect">
                 <a:avLst/>
@@ -33090,7 +33090,7 @@
                         <a:rPr lang="en-US" altLang="zh-TW" b="0" i="1" smtClean="0">
                           <a:latin typeface="Cambria Math" panose="02040503050406030204" pitchFamily="18" charset="0"/>
                         </a:rPr>
-                        <m:t>𝑡𝑜𝑛𝑓</m:t>
+                        <m:t>𝑡𝑓</m:t>
                       </m:r>
                     </m:oMath>
                   </m:oMathPara>
@@ -33114,7 +33114,7 @@
             <p:spPr>
               <a:xfrm>
                 <a:off x="6069104" y="3652962"/>
-                <a:ext cx="2446246" cy="369332"/>
+                <a:ext cx="2189767" cy="369332"/>
               </a:xfrm>
               <a:prstGeom prst="rect">
                 <a:avLst/>
@@ -33444,7 +33444,7 @@
             <p:spPr>
               <a:xfrm>
                 <a:off x="3015143" y="2231144"/>
-                <a:ext cx="1382430" cy="369332"/>
+                <a:ext cx="1580369" cy="369332"/>
               </a:xfrm>
               <a:prstGeom prst="rect">
                 <a:avLst/>
@@ -33482,6 +33482,15 @@
                         </a:rPr>
                         <m:t>=4.3812</m:t>
                       </m:r>
+                      <m:r>
+                        <a:rPr lang="en-US" altLang="zh-TW" b="0" i="1" smtClean="0">
+                          <a:solidFill>
+                            <a:srgbClr val="0070C0"/>
+                          </a:solidFill>
+                          <a:latin typeface="Cambria Math" panose="02040503050406030204" pitchFamily="18" charset="0"/>
+                        </a:rPr>
+                        <m:t>𝑚</m:t>
+                      </m:r>
                     </m:oMath>
                   </m:oMathPara>
                 </a14:m>
@@ -33506,7 +33515,7 @@
             <p:spPr>
               <a:xfrm>
                 <a:off x="3015143" y="2231144"/>
-                <a:ext cx="1382430" cy="369332"/>
+                <a:ext cx="1580369" cy="369332"/>
               </a:xfrm>
               <a:prstGeom prst="rect">
                 <a:avLst/>
@@ -33577,7 +33586,7 @@
             <p:spPr>
               <a:xfrm>
                 <a:off x="3015143" y="3349877"/>
-                <a:ext cx="2111860" cy="391582"/>
+                <a:ext cx="2648354" cy="391582"/>
               </a:xfrm>
               <a:prstGeom prst="rect">
                 <a:avLst/>
@@ -33638,7 +33647,43 @@
                           </a:solidFill>
                           <a:latin typeface="Cambria Math" panose="02040503050406030204" pitchFamily="18" charset="0"/>
                         </a:rPr>
-                        <m:t>=38, 74, 147 </m:t>
+                        <m:t>=38, 74, 147</m:t>
+                      </m:r>
+                      <m:r>
+                        <a:rPr lang="en-US" altLang="zh-TW" b="0" i="1" smtClean="0">
+                          <a:solidFill>
+                            <a:srgbClr val="0070C0"/>
+                          </a:solidFill>
+                          <a:latin typeface="Cambria Math" panose="02040503050406030204" pitchFamily="18" charset="0"/>
+                        </a:rPr>
+                        <m:t>𝑡𝑓</m:t>
+                      </m:r>
+                      <m:r>
+                        <a:rPr lang="en-US" altLang="zh-TW" b="0" i="1" smtClean="0">
+                          <a:solidFill>
+                            <a:srgbClr val="0070C0"/>
+                          </a:solidFill>
+                          <a:latin typeface="Cambria Math" panose="02040503050406030204" pitchFamily="18" charset="0"/>
+                        </a:rPr>
+                        <m:t>/</m:t>
+                      </m:r>
+                      <m:r>
+                        <a:rPr lang="en-US" altLang="zh-TW" b="0" i="1" smtClean="0">
+                          <a:solidFill>
+                            <a:srgbClr val="0070C0"/>
+                          </a:solidFill>
+                          <a:latin typeface="Cambria Math" panose="02040503050406030204" pitchFamily="18" charset="0"/>
+                        </a:rPr>
+                        <m:t>𝑚</m:t>
+                      </m:r>
+                      <m:r>
+                        <a:rPr lang="en-US" altLang="zh-TW" b="0" i="1" smtClean="0">
+                          <a:solidFill>
+                            <a:srgbClr val="0070C0"/>
+                          </a:solidFill>
+                          <a:latin typeface="Cambria Math" panose="02040503050406030204" pitchFamily="18" charset="0"/>
+                        </a:rPr>
+                        <m:t> </m:t>
                       </m:r>
                     </m:oMath>
                   </m:oMathPara>
@@ -33664,7 +33709,7 @@
             <p:spPr>
               <a:xfrm>
                 <a:off x="3015143" y="3349877"/>
-                <a:ext cx="2111860" cy="391582"/>
+                <a:ext cx="2648354" cy="391582"/>
               </a:xfrm>
               <a:prstGeom prst="rect">
                 <a:avLst/>
@@ -33735,7 +33780,7 @@
             <p:spPr>
               <a:xfrm>
                 <a:off x="3015143" y="4482605"/>
-                <a:ext cx="1794274" cy="369332"/>
+                <a:ext cx="2330766" cy="369332"/>
               </a:xfrm>
               <a:prstGeom prst="rect">
                 <a:avLst/>
@@ -33796,7 +33841,43 @@
                           </a:solidFill>
                           <a:latin typeface="Cambria Math" panose="02040503050406030204" pitchFamily="18" charset="0"/>
                         </a:rPr>
-                        <m:t>=20, 39, 78 </m:t>
+                        <m:t>=20, 39, 78</m:t>
+                      </m:r>
+                      <m:r>
+                        <a:rPr lang="en-US" altLang="zh-TW" b="0" i="1" smtClean="0">
+                          <a:solidFill>
+                            <a:srgbClr val="0070C0"/>
+                          </a:solidFill>
+                          <a:latin typeface="Cambria Math" panose="02040503050406030204" pitchFamily="18" charset="0"/>
+                        </a:rPr>
+                        <m:t>𝑡𝑓</m:t>
+                      </m:r>
+                      <m:r>
+                        <a:rPr lang="en-US" altLang="zh-TW" b="0" i="1" smtClean="0">
+                          <a:solidFill>
+                            <a:srgbClr val="0070C0"/>
+                          </a:solidFill>
+                          <a:latin typeface="Cambria Math" panose="02040503050406030204" pitchFamily="18" charset="0"/>
+                        </a:rPr>
+                        <m:t>/</m:t>
+                      </m:r>
+                      <m:r>
+                        <a:rPr lang="en-US" altLang="zh-TW" b="0" i="1" smtClean="0">
+                          <a:solidFill>
+                            <a:srgbClr val="0070C0"/>
+                          </a:solidFill>
+                          <a:latin typeface="Cambria Math" panose="02040503050406030204" pitchFamily="18" charset="0"/>
+                        </a:rPr>
+                        <m:t>𝑚</m:t>
+                      </m:r>
+                      <m:r>
+                        <a:rPr lang="en-US" altLang="zh-TW" b="0" i="1" smtClean="0">
+                          <a:solidFill>
+                            <a:srgbClr val="0070C0"/>
+                          </a:solidFill>
+                          <a:latin typeface="Cambria Math" panose="02040503050406030204" pitchFamily="18" charset="0"/>
+                        </a:rPr>
+                        <m:t> </m:t>
                       </m:r>
                     </m:oMath>
                   </m:oMathPara>
@@ -33822,7 +33903,7 @@
             <p:spPr>
               <a:xfrm>
                 <a:off x="3015143" y="4482605"/>
-                <a:ext cx="1794274" cy="369332"/>
+                <a:ext cx="2330766" cy="369332"/>
               </a:xfrm>
               <a:prstGeom prst="rect">
                 <a:avLst/>
@@ -33830,7 +33911,7 @@
               <a:blipFill>
                 <a:blip r:embed="rId13"/>
                 <a:stretch>
-                  <a:fillRect/>
+                  <a:fillRect b="-13115"/>
                 </a:stretch>
               </a:blipFill>
             </p:spPr>
@@ -33893,7 +33974,7 @@
             <p:spPr>
               <a:xfrm>
                 <a:off x="3015143" y="5478843"/>
-                <a:ext cx="2577885" cy="369332"/>
+                <a:ext cx="3032882" cy="369332"/>
               </a:xfrm>
               <a:prstGeom prst="rect">
                 <a:avLst/>
@@ -33956,6 +34037,33 @@
                         </a:rPr>
                         <m:t>=1020, 1991, 3975</m:t>
                       </m:r>
+                      <m:r>
+                        <a:rPr lang="en-US" altLang="zh-TW" b="0" i="1" smtClean="0">
+                          <a:solidFill>
+                            <a:srgbClr val="0070C0"/>
+                          </a:solidFill>
+                          <a:latin typeface="Cambria Math" panose="02040503050406030204" pitchFamily="18" charset="0"/>
+                        </a:rPr>
+                        <m:t>𝑡𝑓</m:t>
+                      </m:r>
+                      <m:r>
+                        <a:rPr lang="en-US" altLang="zh-TW" b="0" i="1" smtClean="0">
+                          <a:solidFill>
+                            <a:srgbClr val="0070C0"/>
+                          </a:solidFill>
+                          <a:latin typeface="Cambria Math" panose="02040503050406030204" pitchFamily="18" charset="0"/>
+                        </a:rPr>
+                        <m:t>/</m:t>
+                      </m:r>
+                      <m:r>
+                        <a:rPr lang="en-US" altLang="zh-TW" b="0" i="1" smtClean="0">
+                          <a:solidFill>
+                            <a:srgbClr val="0070C0"/>
+                          </a:solidFill>
+                          <a:latin typeface="Cambria Math" panose="02040503050406030204" pitchFamily="18" charset="0"/>
+                        </a:rPr>
+                        <m:t>𝑚</m:t>
+                      </m:r>
                     </m:oMath>
                   </m:oMathPara>
                 </a14:m>
@@ -33980,7 +34088,7 @@
             <p:spPr>
               <a:xfrm>
                 <a:off x="3015143" y="5478843"/>
-                <a:ext cx="2577885" cy="369332"/>
+                <a:ext cx="3032882" cy="369332"/>
               </a:xfrm>
               <a:prstGeom prst="rect">
                 <a:avLst/>
@@ -33988,7 +34096,7 @@
               <a:blipFill>
                 <a:blip r:embed="rId14"/>
                 <a:stretch>
-                  <a:fillRect/>
+                  <a:fillRect b="-13333"/>
                 </a:stretch>
               </a:blipFill>
             </p:spPr>
@@ -34043,7 +34151,7 @@
     </p:spTree>
     <p:extLst>
       <p:ext uri="{BB962C8B-B14F-4D97-AF65-F5344CB8AC3E}">
-        <p14:creationId xmlns:p14="http://schemas.microsoft.com/office/powerpoint/2010/main" val="3820450313"/>
+        <p14:creationId xmlns:p14="http://schemas.microsoft.com/office/powerpoint/2010/main" val="3656232819"/>
       </p:ext>
     </p:extLst>
   </p:cSld>
@@ -34633,7 +34741,7 @@
             <p:spPr>
               <a:xfrm>
                 <a:off x="6069104" y="3652962"/>
-                <a:ext cx="2446246" cy="369332"/>
+                <a:ext cx="2189767" cy="369332"/>
               </a:xfrm>
               <a:prstGeom prst="rect">
                 <a:avLst/>
@@ -34681,7 +34789,7 @@
                         <a:rPr lang="en-US" altLang="zh-TW" b="0" i="1" smtClean="0">
                           <a:latin typeface="Cambria Math" panose="02040503050406030204" pitchFamily="18" charset="0"/>
                         </a:rPr>
-                        <m:t>𝑡𝑜𝑛𝑓</m:t>
+                        <m:t>𝑡𝑓</m:t>
                       </m:r>
                     </m:oMath>
                   </m:oMathPara>
@@ -34705,7 +34813,7 @@
             <p:spPr>
               <a:xfrm>
                 <a:off x="6069104" y="3652962"/>
-                <a:ext cx="2446246" cy="369332"/>
+                <a:ext cx="2189767" cy="369332"/>
               </a:xfrm>
               <a:prstGeom prst="rect">
                 <a:avLst/>
@@ -35035,7 +35143,7 @@
             <p:spPr>
               <a:xfrm>
                 <a:off x="3015143" y="2231144"/>
-                <a:ext cx="1382430" cy="369332"/>
+                <a:ext cx="1580369" cy="369332"/>
               </a:xfrm>
               <a:prstGeom prst="rect">
                 <a:avLst/>
@@ -35073,6 +35181,15 @@
                         </a:rPr>
                         <m:t>=4.3812</m:t>
                       </m:r>
+                      <m:r>
+                        <a:rPr lang="en-US" altLang="zh-TW" b="0" i="1" smtClean="0">
+                          <a:solidFill>
+                            <a:srgbClr val="0070C0"/>
+                          </a:solidFill>
+                          <a:latin typeface="Cambria Math" panose="02040503050406030204" pitchFamily="18" charset="0"/>
+                        </a:rPr>
+                        <m:t>𝑚</m:t>
+                      </m:r>
                     </m:oMath>
                   </m:oMathPara>
                 </a14:m>
@@ -35097,7 +35214,7 @@
             <p:spPr>
               <a:xfrm>
                 <a:off x="3015143" y="2231144"/>
-                <a:ext cx="1382430" cy="369332"/>
+                <a:ext cx="1580369" cy="369332"/>
               </a:xfrm>
               <a:prstGeom prst="rect">
                 <a:avLst/>
@@ -35168,7 +35285,7 @@
             <p:spPr>
               <a:xfrm>
                 <a:off x="3015143" y="3349877"/>
-                <a:ext cx="2111860" cy="391582"/>
+                <a:ext cx="2648354" cy="391582"/>
               </a:xfrm>
               <a:prstGeom prst="rect">
                 <a:avLst/>
@@ -35229,7 +35346,43 @@
                           </a:solidFill>
                           <a:latin typeface="Cambria Math" panose="02040503050406030204" pitchFamily="18" charset="0"/>
                         </a:rPr>
-                        <m:t>=38, 74, 147 </m:t>
+                        <m:t>=38, 74, 147</m:t>
+                      </m:r>
+                      <m:r>
+                        <a:rPr lang="en-US" altLang="zh-TW" b="0" i="1" smtClean="0">
+                          <a:solidFill>
+                            <a:srgbClr val="0070C0"/>
+                          </a:solidFill>
+                          <a:latin typeface="Cambria Math" panose="02040503050406030204" pitchFamily="18" charset="0"/>
+                        </a:rPr>
+                        <m:t>𝑡𝑓</m:t>
+                      </m:r>
+                      <m:r>
+                        <a:rPr lang="en-US" altLang="zh-TW" b="0" i="1" smtClean="0">
+                          <a:solidFill>
+                            <a:srgbClr val="0070C0"/>
+                          </a:solidFill>
+                          <a:latin typeface="Cambria Math" panose="02040503050406030204" pitchFamily="18" charset="0"/>
+                        </a:rPr>
+                        <m:t>/</m:t>
+                      </m:r>
+                      <m:r>
+                        <a:rPr lang="en-US" altLang="zh-TW" b="0" i="1" smtClean="0">
+                          <a:solidFill>
+                            <a:srgbClr val="0070C0"/>
+                          </a:solidFill>
+                          <a:latin typeface="Cambria Math" panose="02040503050406030204" pitchFamily="18" charset="0"/>
+                        </a:rPr>
+                        <m:t>𝑚</m:t>
+                      </m:r>
+                      <m:r>
+                        <a:rPr lang="en-US" altLang="zh-TW" b="0" i="1" smtClean="0">
+                          <a:solidFill>
+                            <a:srgbClr val="0070C0"/>
+                          </a:solidFill>
+                          <a:latin typeface="Cambria Math" panose="02040503050406030204" pitchFamily="18" charset="0"/>
+                        </a:rPr>
+                        <m:t> </m:t>
                       </m:r>
                     </m:oMath>
                   </m:oMathPara>
@@ -35255,7 +35408,7 @@
             <p:spPr>
               <a:xfrm>
                 <a:off x="3015143" y="3349877"/>
-                <a:ext cx="2111860" cy="391582"/>
+                <a:ext cx="2648354" cy="391582"/>
               </a:xfrm>
               <a:prstGeom prst="rect">
                 <a:avLst/>
@@ -35326,7 +35479,7 @@
             <p:spPr>
               <a:xfrm>
                 <a:off x="3015143" y="4482605"/>
-                <a:ext cx="1794274" cy="369332"/>
+                <a:ext cx="2330766" cy="369332"/>
               </a:xfrm>
               <a:prstGeom prst="rect">
                 <a:avLst/>
@@ -35387,7 +35540,43 @@
                           </a:solidFill>
                           <a:latin typeface="Cambria Math" panose="02040503050406030204" pitchFamily="18" charset="0"/>
                         </a:rPr>
-                        <m:t>=20, 39, 78 </m:t>
+                        <m:t>=20, 39, 78</m:t>
+                      </m:r>
+                      <m:r>
+                        <a:rPr lang="en-US" altLang="zh-TW" b="0" i="1" smtClean="0">
+                          <a:solidFill>
+                            <a:srgbClr val="0070C0"/>
+                          </a:solidFill>
+                          <a:latin typeface="Cambria Math" panose="02040503050406030204" pitchFamily="18" charset="0"/>
+                        </a:rPr>
+                        <m:t>𝑡𝑓</m:t>
+                      </m:r>
+                      <m:r>
+                        <a:rPr lang="en-US" altLang="zh-TW" b="0" i="1" smtClean="0">
+                          <a:solidFill>
+                            <a:srgbClr val="0070C0"/>
+                          </a:solidFill>
+                          <a:latin typeface="Cambria Math" panose="02040503050406030204" pitchFamily="18" charset="0"/>
+                        </a:rPr>
+                        <m:t>/</m:t>
+                      </m:r>
+                      <m:r>
+                        <a:rPr lang="en-US" altLang="zh-TW" b="0" i="1" smtClean="0">
+                          <a:solidFill>
+                            <a:srgbClr val="0070C0"/>
+                          </a:solidFill>
+                          <a:latin typeface="Cambria Math" panose="02040503050406030204" pitchFamily="18" charset="0"/>
+                        </a:rPr>
+                        <m:t>𝑚</m:t>
+                      </m:r>
+                      <m:r>
+                        <a:rPr lang="en-US" altLang="zh-TW" b="0" i="1" smtClean="0">
+                          <a:solidFill>
+                            <a:srgbClr val="0070C0"/>
+                          </a:solidFill>
+                          <a:latin typeface="Cambria Math" panose="02040503050406030204" pitchFamily="18" charset="0"/>
+                        </a:rPr>
+                        <m:t> </m:t>
                       </m:r>
                     </m:oMath>
                   </m:oMathPara>
@@ -35413,7 +35602,7 @@
             <p:spPr>
               <a:xfrm>
                 <a:off x="3015143" y="4482605"/>
-                <a:ext cx="1794274" cy="369332"/>
+                <a:ext cx="2330766" cy="369332"/>
               </a:xfrm>
               <a:prstGeom prst="rect">
                 <a:avLst/>
@@ -35421,7 +35610,7 @@
               <a:blipFill>
                 <a:blip r:embed="rId13"/>
                 <a:stretch>
-                  <a:fillRect/>
+                  <a:fillRect b="-13115"/>
                 </a:stretch>
               </a:blipFill>
             </p:spPr>
@@ -35484,7 +35673,7 @@
             <p:spPr>
               <a:xfrm>
                 <a:off x="3015143" y="5478843"/>
-                <a:ext cx="2577885" cy="369332"/>
+                <a:ext cx="3032882" cy="369332"/>
               </a:xfrm>
               <a:prstGeom prst="rect">
                 <a:avLst/>
@@ -35547,6 +35736,33 @@
                         </a:rPr>
                         <m:t>=1020, 1991, 3975</m:t>
                       </m:r>
+                      <m:r>
+                        <a:rPr lang="en-US" altLang="zh-TW" b="0" i="1" smtClean="0">
+                          <a:solidFill>
+                            <a:srgbClr val="0070C0"/>
+                          </a:solidFill>
+                          <a:latin typeface="Cambria Math" panose="02040503050406030204" pitchFamily="18" charset="0"/>
+                        </a:rPr>
+                        <m:t>𝑡𝑓</m:t>
+                      </m:r>
+                      <m:r>
+                        <a:rPr lang="en-US" altLang="zh-TW" b="0" i="1" smtClean="0">
+                          <a:solidFill>
+                            <a:srgbClr val="0070C0"/>
+                          </a:solidFill>
+                          <a:latin typeface="Cambria Math" panose="02040503050406030204" pitchFamily="18" charset="0"/>
+                        </a:rPr>
+                        <m:t>/</m:t>
+                      </m:r>
+                      <m:r>
+                        <a:rPr lang="en-US" altLang="zh-TW" b="0" i="1" smtClean="0">
+                          <a:solidFill>
+                            <a:srgbClr val="0070C0"/>
+                          </a:solidFill>
+                          <a:latin typeface="Cambria Math" panose="02040503050406030204" pitchFamily="18" charset="0"/>
+                        </a:rPr>
+                        <m:t>𝑚</m:t>
+                      </m:r>
                     </m:oMath>
                   </m:oMathPara>
                 </a14:m>
@@ -35571,7 +35787,7 @@
             <p:spPr>
               <a:xfrm>
                 <a:off x="3015143" y="5478843"/>
-                <a:ext cx="2577885" cy="369332"/>
+                <a:ext cx="3032882" cy="369332"/>
               </a:xfrm>
               <a:prstGeom prst="rect">
                 <a:avLst/>
@@ -35579,7 +35795,7 @@
               <a:blipFill>
                 <a:blip r:embed="rId14"/>
                 <a:stretch>
-                  <a:fillRect/>
+                  <a:fillRect b="-13333"/>
                 </a:stretch>
               </a:blipFill>
             </p:spPr>
@@ -35634,7 +35850,7 @@
     </p:spTree>
     <p:extLst>
       <p:ext uri="{BB962C8B-B14F-4D97-AF65-F5344CB8AC3E}">
-        <p14:creationId xmlns:p14="http://schemas.microsoft.com/office/powerpoint/2010/main" val="3656232819"/>
+        <p14:creationId xmlns:p14="http://schemas.microsoft.com/office/powerpoint/2010/main" val="3094305179"/>
       </p:ext>
     </p:extLst>
   </p:cSld>
